--- a/docu/TFSD 2025網站進度報告.pptx
+++ b/docu/TFSD 2025網站進度報告.pptx
@@ -8,10 +8,11 @@
     <p:sldId id="256" r:id="rId2"/>
     <p:sldId id="257" r:id="rId3"/>
     <p:sldId id="259" r:id="rId4"/>
-    <p:sldId id="258" r:id="rId5"/>
-    <p:sldId id="260" r:id="rId6"/>
-    <p:sldId id="261" r:id="rId7"/>
-    <p:sldId id="262" r:id="rId8"/>
+    <p:sldId id="263" r:id="rId5"/>
+    <p:sldId id="258" r:id="rId6"/>
+    <p:sldId id="260" r:id="rId7"/>
+    <p:sldId id="261" r:id="rId8"/>
+    <p:sldId id="262" r:id="rId9"/>
   </p:sldIdLst>
   <p:sldSz cx="12192000" cy="6858000"/>
   <p:notesSz cx="6858000" cy="9144000"/>
@@ -110,6 +111,11 @@
       </a:defRPr>
     </a:lvl9pPr>
   </p:defaultTextStyle>
+  <p:extLst>
+    <p:ext uri="{EFAFB233-063F-42B5-8137-9DF3F51BA10A}">
+      <p15:sldGuideLst xmlns:p15="http://schemas.microsoft.com/office/powerpoint/2012/main"/>
+    </p:ext>
+  </p:extLst>
 </p:presentation>
 </file>
 
@@ -242,7 +248,7 @@
           <a:p>
             <a:fld id="{37E6D9BC-6593-4788-95B6-48C284B1F50F}" type="datetimeFigureOut">
               <a:rPr lang="zh-TW" altLang="en-US" smtClean="0"/>
-              <a:t>2025/5/19</a:t>
+              <a:t>2025/5/26</a:t>
             </a:fld>
             <a:endParaRPr lang="zh-TW" altLang="en-US"/>
           </a:p>
@@ -418,7 +424,7 @@
           <a:p>
             <a:fld id="{37E6D9BC-6593-4788-95B6-48C284B1F50F}" type="datetimeFigureOut">
               <a:rPr lang="zh-TW" altLang="en-US" smtClean="0"/>
-              <a:t>2025/5/19</a:t>
+              <a:t>2025/5/26</a:t>
             </a:fld>
             <a:endParaRPr lang="zh-TW" altLang="en-US"/>
           </a:p>
@@ -604,7 +610,7 @@
           <a:p>
             <a:fld id="{37E6D9BC-6593-4788-95B6-48C284B1F50F}" type="datetimeFigureOut">
               <a:rPr lang="zh-TW" altLang="en-US" smtClean="0"/>
-              <a:t>2025/5/19</a:t>
+              <a:t>2025/5/26</a:t>
             </a:fld>
             <a:endParaRPr lang="zh-TW" altLang="en-US"/>
           </a:p>
@@ -1155,7 +1161,7 @@
           <a:p>
             <a:fld id="{37E6D9BC-6593-4788-95B6-48C284B1F50F}" type="datetimeFigureOut">
               <a:rPr lang="zh-TW" altLang="en-US" smtClean="0"/>
-              <a:t>2025/5/19</a:t>
+              <a:t>2025/5/26</a:t>
             </a:fld>
             <a:endParaRPr lang="zh-TW" altLang="en-US"/>
           </a:p>
@@ -1515,7 +1521,7 @@
           <a:p>
             <a:fld id="{37E6D9BC-6593-4788-95B6-48C284B1F50F}" type="datetimeFigureOut">
               <a:rPr lang="zh-TW" altLang="en-US" smtClean="0"/>
-              <a:t>2025/5/19</a:t>
+              <a:t>2025/5/26</a:t>
             </a:fld>
             <a:endParaRPr lang="zh-TW" altLang="en-US"/>
           </a:p>
@@ -1768,7 +1774,7 @@
           <a:p>
             <a:fld id="{37E6D9BC-6593-4788-95B6-48C284B1F50F}" type="datetimeFigureOut">
               <a:rPr lang="zh-TW" altLang="en-US" smtClean="0"/>
-              <a:t>2025/5/19</a:t>
+              <a:t>2025/5/26</a:t>
             </a:fld>
             <a:endParaRPr lang="zh-TW" altLang="en-US"/>
           </a:p>
@@ -2005,7 +2011,7 @@
           <a:p>
             <a:fld id="{37E6D9BC-6593-4788-95B6-48C284B1F50F}" type="datetimeFigureOut">
               <a:rPr lang="zh-TW" altLang="en-US" smtClean="0"/>
-              <a:t>2025/5/19</a:t>
+              <a:t>2025/5/26</a:t>
             </a:fld>
             <a:endParaRPr lang="zh-TW" altLang="en-US"/>
           </a:p>
@@ -2378,7 +2384,7 @@
           <a:p>
             <a:fld id="{37E6D9BC-6593-4788-95B6-48C284B1F50F}" type="datetimeFigureOut">
               <a:rPr lang="zh-TW" altLang="en-US" smtClean="0"/>
-              <a:t>2025/5/19</a:t>
+              <a:t>2025/5/26</a:t>
             </a:fld>
             <a:endParaRPr lang="zh-TW" altLang="en-US"/>
           </a:p>
@@ -2503,7 +2509,7 @@
           <a:p>
             <a:fld id="{37E6D9BC-6593-4788-95B6-48C284B1F50F}" type="datetimeFigureOut">
               <a:rPr lang="zh-TW" altLang="en-US" smtClean="0"/>
-              <a:t>2025/5/19</a:t>
+              <a:t>2025/5/26</a:t>
             </a:fld>
             <a:endParaRPr lang="zh-TW" altLang="en-US"/>
           </a:p>
@@ -2606,7 +2612,7 @@
           <a:p>
             <a:fld id="{37E6D9BC-6593-4788-95B6-48C284B1F50F}" type="datetimeFigureOut">
               <a:rPr lang="zh-TW" altLang="en-US" smtClean="0"/>
-              <a:t>2025/5/19</a:t>
+              <a:t>2025/5/26</a:t>
             </a:fld>
             <a:endParaRPr lang="zh-TW" altLang="en-US"/>
           </a:p>
@@ -2889,7 +2895,7 @@
           <a:p>
             <a:fld id="{37E6D9BC-6593-4788-95B6-48C284B1F50F}" type="datetimeFigureOut">
               <a:rPr lang="zh-TW" altLang="en-US" smtClean="0"/>
-              <a:t>2025/5/19</a:t>
+              <a:t>2025/5/26</a:t>
             </a:fld>
             <a:endParaRPr lang="zh-TW" altLang="en-US"/>
           </a:p>
@@ -3152,7 +3158,7 @@
           <a:p>
             <a:fld id="{37E6D9BC-6593-4788-95B6-48C284B1F50F}" type="datetimeFigureOut">
               <a:rPr lang="zh-TW" altLang="en-US" smtClean="0"/>
-              <a:t>2025/5/19</a:t>
+              <a:t>2025/5/26</a:t>
             </a:fld>
             <a:endParaRPr lang="zh-TW" altLang="en-US"/>
           </a:p>
@@ -3371,7 +3377,7 @@
           <a:p>
             <a:fld id="{37E6D9BC-6593-4788-95B6-48C284B1F50F}" type="datetimeFigureOut">
               <a:rPr lang="zh-TW" altLang="en-US" smtClean="0"/>
-              <a:t>2025/5/19</a:t>
+              <a:t>2025/5/26</a:t>
             </a:fld>
             <a:endParaRPr lang="zh-TW" altLang="en-US"/>
           </a:p>
@@ -5059,6 +5065,297 @@
           <p:cNvPr id="2" name="標題 1">
             <a:extLst>
               <a:ext uri="{FF2B5EF4-FFF2-40B4-BE49-F238E27FC236}">
+                <a16:creationId xmlns:a16="http://schemas.microsoft.com/office/drawing/2014/main" id="{F6AE0792-8678-45FE-8EAD-B141502F600D}"/>
+              </a:ext>
+            </a:extLst>
+          </p:cNvPr>
+          <p:cNvSpPr>
+            <a:spLocks noGrp="1"/>
+          </p:cNvSpPr>
+          <p:nvPr>
+            <p:ph type="title"/>
+          </p:nvPr>
+        </p:nvSpPr>
+        <p:spPr/>
+        <p:txBody>
+          <a:bodyPr>
+            <a:normAutofit fontScale="90000"/>
+          </a:bodyPr>
+          <a:lstStyle/>
+          <a:p>
+            <a:r>
+              <a:rPr lang="en-US" altLang="zh-TW" dirty="0"/>
+              <a:t>Conference License </a:t>
+            </a:r>
+            <a:r>
+              <a:rPr lang="zh-TW" altLang="en-US" dirty="0"/>
+              <a:t>討論</a:t>
+            </a:r>
+          </a:p>
+        </p:txBody>
+      </p:sp>
+      <p:sp>
+        <p:nvSpPr>
+          <p:cNvPr id="6" name="內容版面配置區 5">
+            <a:extLst>
+              <a:ext uri="{FF2B5EF4-FFF2-40B4-BE49-F238E27FC236}">
+                <a16:creationId xmlns:a16="http://schemas.microsoft.com/office/drawing/2014/main" id="{58F4255F-1EBB-4B04-B7E0-6A95A417F023}"/>
+              </a:ext>
+            </a:extLst>
+          </p:cNvPr>
+          <p:cNvSpPr>
+            <a:spLocks noGrp="1"/>
+          </p:cNvSpPr>
+          <p:nvPr>
+            <p:ph idx="1"/>
+          </p:nvPr>
+        </p:nvSpPr>
+        <p:spPr>
+          <a:xfrm>
+            <a:off x="7896919" y="1733550"/>
+            <a:ext cx="3921369" cy="3613150"/>
+          </a:xfrm>
+        </p:spPr>
+        <p:txBody>
+          <a:bodyPr>
+            <a:normAutofit lnSpcReduction="10000"/>
+          </a:bodyPr>
+          <a:lstStyle/>
+          <a:p>
+            <a:r>
+              <a:rPr lang="zh-TW" altLang="en-US" sz="2400" dirty="0"/>
+              <a:t>結論</a:t>
+            </a:r>
+            <a:endParaRPr lang="en-US" altLang="zh-TW" sz="2400" dirty="0"/>
+          </a:p>
+          <a:p>
+            <a:pPr marL="514350" indent="-514350">
+              <a:buFont typeface="+mj-lt"/>
+              <a:buAutoNum type="arabicPeriod"/>
+            </a:pPr>
+            <a:r>
+              <a:rPr lang="zh-TW" altLang="en-US" sz="2000" dirty="0"/>
+              <a:t>預測很準</a:t>
+            </a:r>
+            <a:r>
+              <a:rPr lang="en-US" altLang="zh-TW" sz="2000" dirty="0"/>
+              <a:t>(</a:t>
+            </a:r>
+            <a:r>
+              <a:rPr lang="zh-TW" altLang="en-US" sz="2000" dirty="0"/>
+              <a:t>誤差</a:t>
+            </a:r>
+            <a:r>
+              <a:rPr lang="en-US" altLang="zh-TW" sz="2000" dirty="0"/>
+              <a:t>&lt;8%)</a:t>
+            </a:r>
+            <a:r>
+              <a:rPr lang="zh-TW" altLang="en-US" sz="2000" dirty="0"/>
+              <a:t>，</a:t>
+            </a:r>
+            <a:br>
+              <a:rPr lang="en-US" altLang="zh-TW" sz="2000" dirty="0"/>
+            </a:br>
+            <a:r>
+              <a:rPr lang="zh-TW" altLang="en-US" sz="2000" dirty="0"/>
+              <a:t>選擇</a:t>
+            </a:r>
+            <a:r>
+              <a:rPr lang="en-US" altLang="zh-TW" sz="2000" dirty="0"/>
+              <a:t>Fixed Price</a:t>
+            </a:r>
+            <a:r>
+              <a:rPr lang="zh-TW" altLang="en-US" sz="2000" dirty="0"/>
+              <a:t>划算。</a:t>
+            </a:r>
+            <a:endParaRPr lang="en-US" altLang="zh-TW" sz="2000" dirty="0"/>
+          </a:p>
+          <a:p>
+            <a:pPr marL="514350" indent="-514350">
+              <a:buFont typeface="+mj-lt"/>
+              <a:buAutoNum type="arabicPeriod"/>
+            </a:pPr>
+            <a:r>
+              <a:rPr lang="zh-TW" altLang="en-US" sz="2000" dirty="0"/>
+              <a:t>預測很不準確</a:t>
+            </a:r>
+            <a:r>
+              <a:rPr lang="en-US" altLang="zh-TW" sz="2000" dirty="0"/>
+              <a:t>(</a:t>
+            </a:r>
+            <a:r>
+              <a:rPr lang="zh-TW" altLang="en-US" sz="2000" dirty="0"/>
+              <a:t>誤差</a:t>
+            </a:r>
+            <a:r>
+              <a:rPr lang="en-US" altLang="zh-TW" sz="2000" dirty="0"/>
+              <a:t>&gt;8%)</a:t>
+            </a:r>
+            <a:r>
+              <a:rPr lang="zh-TW" altLang="en-US" sz="2000" dirty="0"/>
+              <a:t>，選擇</a:t>
+            </a:r>
+            <a:r>
+              <a:rPr lang="en-US" altLang="zh-TW" sz="2000" dirty="0"/>
+              <a:t>Pay</a:t>
+            </a:r>
+            <a:r>
+              <a:rPr lang="zh-TW" altLang="en-US" sz="2000" dirty="0"/>
+              <a:t> </a:t>
+            </a:r>
+            <a:r>
+              <a:rPr lang="en-US" altLang="zh-TW" sz="2000" dirty="0"/>
+              <a:t>as you go.</a:t>
+            </a:r>
+          </a:p>
+          <a:p>
+            <a:pPr marL="514350" indent="-514350">
+              <a:buFont typeface="+mj-lt"/>
+              <a:buAutoNum type="arabicPeriod"/>
+            </a:pPr>
+            <a:r>
+              <a:rPr lang="zh-TW" altLang="en-US" sz="2000" dirty="0"/>
+              <a:t>用美金付款沒有顯著便宜</a:t>
+            </a:r>
+            <a:br>
+              <a:rPr lang="en-US" altLang="zh-TW" sz="2000" dirty="0"/>
+            </a:br>
+            <a:r>
+              <a:rPr lang="en-US" altLang="zh-TW" sz="2000" dirty="0"/>
+              <a:t>(GBP 4.5 </a:t>
+            </a:r>
+            <a:r>
+              <a:rPr lang="en-US" altLang="zh-TW" sz="2000" dirty="0" err="1"/>
+              <a:t>v.s</a:t>
+            </a:r>
+            <a:r>
+              <a:rPr lang="en-US" altLang="zh-TW" sz="2000" dirty="0"/>
+              <a:t>.</a:t>
+            </a:r>
+            <a:r>
+              <a:rPr lang="zh-TW" altLang="en-US" sz="2000" dirty="0"/>
+              <a:t> </a:t>
+            </a:r>
+            <a:r>
+              <a:rPr lang="en-US" altLang="zh-TW" sz="2000" dirty="0"/>
+              <a:t>USD</a:t>
+            </a:r>
+            <a:r>
+              <a:rPr lang="zh-TW" altLang="en-US" sz="2000" dirty="0"/>
+              <a:t> </a:t>
+            </a:r>
+            <a:r>
+              <a:rPr lang="en-US" altLang="zh-TW" sz="2000" dirty="0"/>
+              <a:t>6.2)</a:t>
+            </a:r>
+          </a:p>
+          <a:p>
+            <a:pPr marL="514350" indent="-514350">
+              <a:buFont typeface="+mj-lt"/>
+              <a:buAutoNum type="arabicPeriod"/>
+            </a:pPr>
+            <a:endParaRPr lang="zh-TW" altLang="en-US" sz="2400" dirty="0"/>
+          </a:p>
+        </p:txBody>
+      </p:sp>
+      <p:graphicFrame>
+        <p:nvGraphicFramePr>
+          <p:cNvPr id="5" name="物件 4">
+            <a:extLst>
+              <a:ext uri="{FF2B5EF4-FFF2-40B4-BE49-F238E27FC236}">
+                <a16:creationId xmlns:a16="http://schemas.microsoft.com/office/drawing/2014/main" id="{A14118E6-014A-482A-8267-F02A6AEB58DE}"/>
+              </a:ext>
+            </a:extLst>
+          </p:cNvPr>
+          <p:cNvGraphicFramePr>
+            <a:graphicFrameLocks noChangeAspect="1"/>
+          </p:cNvGraphicFramePr>
+          <p:nvPr>
+            <p:extLst>
+              <p:ext uri="{D42A27DB-BD31-4B8C-83A1-F6EECF244321}">
+                <p14:modId xmlns:p14="http://schemas.microsoft.com/office/powerpoint/2010/main" val="2895409910"/>
+              </p:ext>
+            </p:extLst>
+          </p:nvPr>
+        </p:nvGraphicFramePr>
+        <p:xfrm>
+          <a:off x="539750" y="1733550"/>
+          <a:ext cx="7356475" cy="3613150"/>
+        </p:xfrm>
+        <a:graphic>
+          <a:graphicData uri="http://schemas.openxmlformats.org/presentationml/2006/ole">
+            <mc:AlternateContent xmlns:mc="http://schemas.openxmlformats.org/markup-compatibility/2006">
+              <mc:Choice xmlns:v="urn:schemas-microsoft-com:vml" Requires="v">
+                <p:oleObj spid="_x0000_s1027" name="Worksheet" r:id="rId3" imgW="5953080" imgH="2924141" progId="Excel.Sheet.12">
+                  <p:embed/>
+                </p:oleObj>
+              </mc:Choice>
+              <mc:Fallback>
+                <p:oleObj name="Worksheet" r:id="rId3" imgW="5953080" imgH="2924141" progId="Excel.Sheet.12">
+                  <p:embed/>
+                  <p:pic>
+                    <p:nvPicPr>
+                      <p:cNvPr id="0" name=""/>
+                      <p:cNvPicPr/>
+                      <p:nvPr/>
+                    </p:nvPicPr>
+                    <p:blipFill>
+                      <a:blip r:embed="rId4"/>
+                      <a:stretch>
+                        <a:fillRect/>
+                      </a:stretch>
+                    </p:blipFill>
+                    <p:spPr>
+                      <a:xfrm>
+                        <a:off x="539750" y="1733550"/>
+                        <a:ext cx="7356475" cy="3613150"/>
+                      </a:xfrm>
+                      <a:prstGeom prst="rect">
+                        <a:avLst/>
+                      </a:prstGeom>
+                    </p:spPr>
+                  </p:pic>
+                </p:oleObj>
+              </mc:Fallback>
+            </mc:AlternateContent>
+          </a:graphicData>
+        </a:graphic>
+      </p:graphicFrame>
+    </p:spTree>
+    <p:extLst>
+      <p:ext uri="{BB962C8B-B14F-4D97-AF65-F5344CB8AC3E}">
+        <p14:creationId xmlns:p14="http://schemas.microsoft.com/office/powerpoint/2010/main" val="445867892"/>
+      </p:ext>
+    </p:extLst>
+  </p:cSld>
+  <p:clrMapOvr>
+    <a:masterClrMapping/>
+  </p:clrMapOvr>
+</p:sld>
+</file>
+
+<file path=ppt/slides/slide5.xml><?xml version="1.0" encoding="utf-8"?>
+<p:sld xmlns:a="http://schemas.openxmlformats.org/drawingml/2006/main" xmlns:r="http://schemas.openxmlformats.org/officeDocument/2006/relationships" xmlns:p="http://schemas.openxmlformats.org/presentationml/2006/main">
+  <p:cSld>
+    <p:spTree>
+      <p:nvGrpSpPr>
+        <p:cNvPr id="1" name=""/>
+        <p:cNvGrpSpPr/>
+        <p:nvPr/>
+      </p:nvGrpSpPr>
+      <p:grpSpPr>
+        <a:xfrm>
+          <a:off x="0" y="0"/>
+          <a:ext cx="0" cy="0"/>
+          <a:chOff x="0" y="0"/>
+          <a:chExt cx="0" cy="0"/>
+        </a:xfrm>
+      </p:grpSpPr>
+      <p:sp>
+        <p:nvSpPr>
+          <p:cNvPr id="2" name="標題 1">
+            <a:extLst>
+              <a:ext uri="{FF2B5EF4-FFF2-40B4-BE49-F238E27FC236}">
                 <a16:creationId xmlns:a16="http://schemas.microsoft.com/office/drawing/2014/main" id="{ADBE4FC0-A7B0-4064-B642-C9411318CD6C}"/>
               </a:ext>
             </a:extLst>
@@ -5553,7 +5850,7 @@
 </p:sld>
 </file>
 
-<file path=ppt/slides/slide5.xml><?xml version="1.0" encoding="utf-8"?>
+<file path=ppt/slides/slide6.xml><?xml version="1.0" encoding="utf-8"?>
 <p:sld xmlns:a="http://schemas.openxmlformats.org/drawingml/2006/main" xmlns:r="http://schemas.openxmlformats.org/officeDocument/2006/relationships" xmlns:p="http://schemas.openxmlformats.org/presentationml/2006/main">
   <p:cSld>
     <p:spTree>
@@ -6126,7 +6423,7 @@
 </p:sld>
 </file>
 
-<file path=ppt/slides/slide6.xml><?xml version="1.0" encoding="utf-8"?>
+<file path=ppt/slides/slide7.xml><?xml version="1.0" encoding="utf-8"?>
 <p:sld xmlns:a="http://schemas.openxmlformats.org/drawingml/2006/main" xmlns:r="http://schemas.openxmlformats.org/officeDocument/2006/relationships" xmlns:p="http://schemas.openxmlformats.org/presentationml/2006/main">
   <p:cSld>
     <p:spTree>
@@ -6215,7 +6512,7 @@
 </p:sld>
 </file>
 
-<file path=ppt/slides/slide7.xml><?xml version="1.0" encoding="utf-8"?>
+<file path=ppt/slides/slide8.xml><?xml version="1.0" encoding="utf-8"?>
 <p:sld xmlns:a="http://schemas.openxmlformats.org/drawingml/2006/main" xmlns:r="http://schemas.openxmlformats.org/officeDocument/2006/relationships" xmlns:p="http://schemas.openxmlformats.org/presentationml/2006/main">
   <p:cSld>
     <p:spTree>
